--- a/0521_NLP논문리뷰.pptx
+++ b/0521_NLP논문리뷰.pptx
@@ -7004,12 +7004,12 @@
               <a:buNone/>
             </a:pPr>
             <a:r>
-              <a:rPr lang="en-US" altLang="ko">
+              <a:rPr lang="en-US" altLang="ko" dirty="0">
                 <a:solidFill>
                   <a:srgbClr val="19264B"/>
                 </a:solidFill>
               </a:rPr>
-              <a:t>2024.05.20</a:t>
+              <a:t>2024.05.21</a:t>
             </a:r>
             <a:endParaRPr lang="ko-KR" altLang="en-US" dirty="0">
               <a:solidFill>
@@ -7074,15 +7074,23 @@
                   <a:srgbClr val="19264B"/>
                 </a:solidFill>
               </a:rPr>
-              <a:t>발표자 : </a:t>
-            </a:r>
-            <a:r>
-              <a:rPr lang="ko" altLang="en-US" sz="1100" dirty="0" err="1">
+              <a:t>발표자 </a:t>
+            </a:r>
+            <a:r>
+              <a:rPr lang="ko" sz="1100">
                 <a:solidFill>
                   <a:srgbClr val="19264B"/>
                 </a:solidFill>
               </a:rPr>
-              <a:t>오규안</a:t>
+              <a:t>: </a:t>
+            </a:r>
+            <a:r>
+              <a:rPr lang="ko-KR" altLang="en-US" sz="1100">
+                <a:solidFill>
+                  <a:srgbClr val="19264B"/>
+                </a:solidFill>
+              </a:rPr>
+              <a:t>김태환</a:t>
             </a:r>
             <a:endParaRPr sz="1100" dirty="0" err="1">
               <a:solidFill>
@@ -12958,8 +12966,8 @@
           </a:p>
         </p:txBody>
       </p:sp>
-      <mc:AlternateContent xmlns:mc="http://schemas.openxmlformats.org/markup-compatibility/2006">
-        <mc:Choice xmlns:a14="http://schemas.microsoft.com/office/drawing/2010/main" Requires="a14">
+      <mc:AlternateContent xmlns:mc="http://schemas.openxmlformats.org/markup-compatibility/2006" xmlns:a14="http://schemas.microsoft.com/office/drawing/2010/main">
+        <mc:Choice Requires="a14">
           <p:sp>
             <p:nvSpPr>
               <p:cNvPr id="2" name="TextBox 1">
@@ -13431,7 +13439,7 @@
             </p:txBody>
           </p:sp>
         </mc:Choice>
-        <mc:Fallback>
+        <mc:Fallback xmlns="">
           <p:sp>
             <p:nvSpPr>
               <p:cNvPr id="2" name="TextBox 1">
